--- a/Multi_Store_Sales_Analysis/Multi_Store_Report.pptx
+++ b/Multi_Store_Sales_Analysis/Multi_Store_Report.pptx
@@ -569,7 +569,7 @@
             </a:ln>
             <a:extLst>
               <a:ext uri="{91240B29-F687-4f45-9708-019B960494DF}">
-                <a14:hiddenLine xmlns:a14="http://schemas.microsoft.com/office/drawing/2010/main" xmlns="" w="9525">
+                <a14:hiddenLine xmlns="" xmlns:a14="http://schemas.microsoft.com/office/drawing/2010/main" w="9525">
                   <a:solidFill>
                     <a:srgbClr val="000000"/>
                   </a:solidFill>
@@ -766,7 +766,7 @@
           <a:p>
             <a:fld id="{5BCAD085-E8A6-8845-BD4E-CB4CCA059FC4}" type="datetimeFigureOut">
               <a:rPr lang="en-US" smtClean="0"/>
-              <a:t>7/12/2025</a:t>
+              <a:t>8/1/2025</a:t>
             </a:fld>
             <a:endParaRPr lang="en-US"/>
           </a:p>
@@ -1650,7 +1650,7 @@
             </a:ln>
             <a:extLst>
               <a:ext uri="{91240B29-F687-4f45-9708-019B960494DF}">
-                <a14:hiddenLine xmlns:a14="http://schemas.microsoft.com/office/drawing/2010/main" xmlns="" w="9525">
+                <a14:hiddenLine xmlns="" xmlns:a14="http://schemas.microsoft.com/office/drawing/2010/main" w="9525">
                   <a:solidFill>
                     <a:srgbClr val="000000"/>
                   </a:solidFill>
@@ -1867,7 +1867,7 @@
           <a:p>
             <a:fld id="{5BCAD085-E8A6-8845-BD4E-CB4CCA059FC4}" type="datetimeFigureOut">
               <a:rPr lang="en-US" smtClean="0"/>
-              <a:t>7/12/2025</a:t>
+              <a:t>8/1/2025</a:t>
             </a:fld>
             <a:endParaRPr lang="en-US"/>
           </a:p>
@@ -2736,7 +2736,7 @@
             </a:ln>
             <a:extLst>
               <a:ext uri="{91240B29-F687-4f45-9708-019B960494DF}">
-                <a14:hiddenLine xmlns:a14="http://schemas.microsoft.com/office/drawing/2010/main" xmlns="" w="9525">
+                <a14:hiddenLine xmlns="" xmlns:a14="http://schemas.microsoft.com/office/drawing/2010/main" w="9525">
                   <a:solidFill>
                     <a:srgbClr val="000000"/>
                   </a:solidFill>
@@ -2865,7 +2865,7 @@
           <a:p>
             <a:fld id="{5BCAD085-E8A6-8845-BD4E-CB4CCA059FC4}" type="datetimeFigureOut">
               <a:rPr lang="en-US" smtClean="0"/>
-              <a:t>7/12/2025</a:t>
+              <a:t>8/1/2025</a:t>
             </a:fld>
             <a:endParaRPr lang="en-US"/>
           </a:p>
@@ -3697,7 +3697,7 @@
             </a:ln>
             <a:extLst>
               <a:ext uri="{91240B29-F687-4f45-9708-019B960494DF}">
-                <a14:hiddenLine xmlns:a14="http://schemas.microsoft.com/office/drawing/2010/main" xmlns="" w="9525">
+                <a14:hiddenLine xmlns="" xmlns:a14="http://schemas.microsoft.com/office/drawing/2010/main" w="9525">
                   <a:solidFill>
                     <a:srgbClr val="000000"/>
                   </a:solidFill>
@@ -3980,7 +3980,7 @@
           <a:p>
             <a:fld id="{5BCAD085-E8A6-8845-BD4E-CB4CCA059FC4}" type="datetimeFigureOut">
               <a:rPr lang="en-US" smtClean="0"/>
-              <a:t>7/12/2025</a:t>
+              <a:t>8/1/2025</a:t>
             </a:fld>
             <a:endParaRPr lang="en-US"/>
           </a:p>
@@ -4812,7 +4812,7 @@
             </a:ln>
             <a:extLst>
               <a:ext uri="{91240B29-F687-4f45-9708-019B960494DF}">
-                <a14:hiddenLine xmlns:a14="http://schemas.microsoft.com/office/drawing/2010/main" xmlns="" w="9525">
+                <a14:hiddenLine xmlns="" xmlns:a14="http://schemas.microsoft.com/office/drawing/2010/main" w="9525">
                   <a:solidFill>
                     <a:srgbClr val="000000"/>
                   </a:solidFill>
@@ -4994,7 +4994,7 @@
           <a:p>
             <a:fld id="{5BCAD085-E8A6-8845-BD4E-CB4CCA059FC4}" type="datetimeFigureOut">
               <a:rPr lang="en-US" smtClean="0"/>
-              <a:t>7/12/2025</a:t>
+              <a:t>8/1/2025</a:t>
             </a:fld>
             <a:endParaRPr lang="en-US"/>
           </a:p>
@@ -5666,7 +5666,7 @@
           <a:p>
             <a:fld id="{5BCAD085-E8A6-8845-BD4E-CB4CCA059FC4}" type="datetimeFigureOut">
               <a:rPr lang="en-US" smtClean="0"/>
-              <a:t>7/12/2025</a:t>
+              <a:t>8/1/2025</a:t>
             </a:fld>
             <a:endParaRPr lang="en-US"/>
           </a:p>
@@ -6539,7 +6539,7 @@
           <a:p>
             <a:fld id="{5BCAD085-E8A6-8845-BD4E-CB4CCA059FC4}" type="datetimeFigureOut">
               <a:rPr lang="en-US" smtClean="0"/>
-              <a:t>7/12/2025</a:t>
+              <a:t>8/1/2025</a:t>
             </a:fld>
             <a:endParaRPr lang="en-US"/>
           </a:p>
@@ -6726,7 +6726,7 @@
           <a:p>
             <a:fld id="{5BCAD085-E8A6-8845-BD4E-CB4CCA059FC4}" type="datetimeFigureOut">
               <a:rPr lang="en-US" smtClean="0"/>
-              <a:t>7/12/2025</a:t>
+              <a:t>8/1/2025</a:t>
             </a:fld>
             <a:endParaRPr lang="en-US"/>
           </a:p>
@@ -7561,7 +7561,7 @@
           </a:ln>
           <a:extLst>
             <a:ext uri="{91240B29-F687-4f45-9708-019B960494DF}">
-              <a14:hiddenLine xmlns:a14="http://schemas.microsoft.com/office/drawing/2010/main" xmlns="" w="9525">
+              <a14:hiddenLine xmlns="" xmlns:a14="http://schemas.microsoft.com/office/drawing/2010/main" w="9525">
                 <a:solidFill>
                   <a:srgbClr val="000000"/>
                 </a:solidFill>
@@ -7675,7 +7675,7 @@
           <a:p>
             <a:fld id="{5BCAD085-E8A6-8845-BD4E-CB4CCA059FC4}" type="datetimeFigureOut">
               <a:rPr lang="en-US" smtClean="0"/>
-              <a:t>7/12/2025</a:t>
+              <a:t>8/1/2025</a:t>
             </a:fld>
             <a:endParaRPr lang="en-US"/>
           </a:p>
@@ -7907,7 +7907,7 @@
           <a:p>
             <a:fld id="{5BCAD085-E8A6-8845-BD4E-CB4CCA059FC4}" type="datetimeFigureOut">
               <a:rPr lang="en-US" smtClean="0"/>
-              <a:t>7/12/2025</a:t>
+              <a:t>8/1/2025</a:t>
             </a:fld>
             <a:endParaRPr lang="en-US"/>
           </a:p>
@@ -8736,7 +8736,7 @@
             </a:ln>
             <a:extLst>
               <a:ext uri="{91240B29-F687-4f45-9708-019B960494DF}">
-                <a14:hiddenLine xmlns:a14="http://schemas.microsoft.com/office/drawing/2010/main" xmlns="" w="9525">
+                <a14:hiddenLine xmlns="" xmlns:a14="http://schemas.microsoft.com/office/drawing/2010/main" w="9525">
                   <a:solidFill>
                     <a:srgbClr val="000000"/>
                   </a:solidFill>
@@ -8918,7 +8918,7 @@
           <a:p>
             <a:fld id="{5BCAD085-E8A6-8845-BD4E-CB4CCA059FC4}" type="datetimeFigureOut">
               <a:rPr lang="en-US" smtClean="0"/>
-              <a:t>7/12/2025</a:t>
+              <a:t>8/1/2025</a:t>
             </a:fld>
             <a:endParaRPr lang="en-US"/>
           </a:p>
@@ -9202,7 +9202,7 @@
           <a:p>
             <a:fld id="{5BCAD085-E8A6-8845-BD4E-CB4CCA059FC4}" type="datetimeFigureOut">
               <a:rPr lang="en-US" smtClean="0"/>
-              <a:t>7/12/2025</a:t>
+              <a:t>8/1/2025</a:t>
             </a:fld>
             <a:endParaRPr lang="en-US"/>
           </a:p>
@@ -9602,7 +9602,7 @@
           <a:p>
             <a:fld id="{5BCAD085-E8A6-8845-BD4E-CB4CCA059FC4}" type="datetimeFigureOut">
               <a:rPr lang="en-US" smtClean="0"/>
-              <a:t>7/12/2025</a:t>
+              <a:t>8/1/2025</a:t>
             </a:fld>
             <a:endParaRPr lang="en-US"/>
           </a:p>
@@ -9732,7 +9732,7 @@
           <a:p>
             <a:fld id="{5BCAD085-E8A6-8845-BD4E-CB4CCA059FC4}" type="datetimeFigureOut">
               <a:rPr lang="en-US" smtClean="0"/>
-              <a:t>7/12/2025</a:t>
+              <a:t>8/1/2025</a:t>
             </a:fld>
             <a:endParaRPr lang="en-US"/>
           </a:p>
@@ -9875,7 +9875,7 @@
           <a:p>
             <a:fld id="{5BCAD085-E8A6-8845-BD4E-CB4CCA059FC4}" type="datetimeFigureOut">
               <a:rPr lang="en-US" smtClean="0"/>
-              <a:t>7/12/2025</a:t>
+              <a:t>8/1/2025</a:t>
             </a:fld>
             <a:endParaRPr lang="en-US"/>
           </a:p>
@@ -10704,7 +10704,7 @@
             </a:ln>
             <a:extLst>
               <a:ext uri="{91240B29-F687-4f45-9708-019B960494DF}">
-                <a14:hiddenLine xmlns:a14="http://schemas.microsoft.com/office/drawing/2010/main" xmlns="" w="9525">
+                <a14:hiddenLine xmlns="" xmlns:a14="http://schemas.microsoft.com/office/drawing/2010/main" w="9525">
                   <a:solidFill>
                     <a:srgbClr val="000000"/>
                   </a:solidFill>
@@ -10897,7 +10897,7 @@
           <a:p>
             <a:fld id="{5BCAD085-E8A6-8845-BD4E-CB4CCA059FC4}" type="datetimeFigureOut">
               <a:rPr lang="en-US" smtClean="0"/>
-              <a:t>7/12/2025</a:t>
+              <a:t>8/1/2025</a:t>
             </a:fld>
             <a:endParaRPr lang="en-US"/>
           </a:p>
@@ -11762,7 +11762,7 @@
             </a:ln>
             <a:extLst>
               <a:ext uri="{91240B29-F687-4f45-9708-019B960494DF}">
-                <a14:hiddenLine xmlns:a14="http://schemas.microsoft.com/office/drawing/2010/main" xmlns="" w="9525">
+                <a14:hiddenLine xmlns="" xmlns:a14="http://schemas.microsoft.com/office/drawing/2010/main" w="9525">
                   <a:solidFill>
                     <a:srgbClr val="000000"/>
                   </a:solidFill>
@@ -11979,7 +11979,7 @@
           <a:p>
             <a:fld id="{5BCAD085-E8A6-8845-BD4E-CB4CCA059FC4}" type="datetimeFigureOut">
               <a:rPr lang="en-US" smtClean="0"/>
-              <a:t>7/12/2025</a:t>
+              <a:t>8/1/2025</a:t>
             </a:fld>
             <a:endParaRPr lang="en-US"/>
           </a:p>
@@ -12812,7 +12812,7 @@
             </a:ln>
             <a:extLst>
               <a:ext uri="{91240B29-F687-4f45-9708-019B960494DF}">
-                <a14:hiddenLine xmlns:a14="http://schemas.microsoft.com/office/drawing/2010/main" xmlns="" w="9525">
+                <a14:hiddenLine xmlns="" xmlns:a14="http://schemas.microsoft.com/office/drawing/2010/main" w="9525">
                   <a:solidFill>
                     <a:srgbClr val="000000"/>
                   </a:solidFill>
@@ -12953,7 +12953,7 @@
           <a:p>
             <a:fld id="{5BCAD085-E8A6-8845-BD4E-CB4CCA059FC4}" type="datetimeFigureOut">
               <a:rPr lang="en-US" smtClean="0"/>
-              <a:t>7/12/2025</a:t>
+              <a:t>8/1/2025</a:t>
             </a:fld>
             <a:endParaRPr lang="en-US"/>
           </a:p>
@@ -14185,22 +14185,35 @@
           <a:lstStyle/>
           <a:p>
             <a:r>
-              <a:t>- Top sellers: Lego Bricks, Colorbuds</a:t>
-            </a:r>
-          </a:p>
-          <a:p>
-            <a:r>
-              <a:t>- Colorbuds: most profitable product (2022-2023)</a:t>
-            </a:r>
-          </a:p>
-          <a:p>
-            <a:r>
-              <a:t>- Insights enabled targeted campaigns</a:t>
-            </a:r>
-          </a:p>
-          <a:p>
-            <a:r>
-              <a:t>➡ Result: 12% increase in marketing ROI</a:t>
+              <a:rPr dirty="0"/>
+              <a:t>Top sellers: Lego Bricks, </a:t>
+            </a:r>
+            <a:r>
+              <a:rPr dirty="0" err="1"/>
+              <a:t>Colorbuds</a:t>
+            </a:r>
+            <a:endParaRPr dirty="0"/>
+          </a:p>
+          <a:p>
+            <a:r>
+              <a:rPr dirty="0" err="1"/>
+              <a:t>Colorbuds</a:t>
+            </a:r>
+            <a:r>
+              <a:rPr dirty="0"/>
+              <a:t>: most profitable product (2022-2023)</a:t>
+            </a:r>
+          </a:p>
+          <a:p>
+            <a:r>
+              <a:rPr dirty="0"/>
+              <a:t>Insights enabled targeted campaigns</a:t>
+            </a:r>
+          </a:p>
+          <a:p>
+            <a:r>
+              <a:rPr dirty="0"/>
+              <a:t>Result: 12% increase in marketing ROI</a:t>
             </a:r>
           </a:p>
         </p:txBody>
@@ -14267,22 +14280,26 @@
           <a:lstStyle/>
           <a:p>
             <a:r>
-              <a:t>- Identified top and least performing stores</a:t>
-            </a:r>
-          </a:p>
-          <a:p>
-            <a:r>
-              <a:t>- Tracked performance trends (YoY, quarterly)</a:t>
-            </a:r>
-          </a:p>
-          <a:p>
-            <a:r>
-              <a:t>- Prioritized high-revenue cities (e.g., Ciudad de Mexico)</a:t>
-            </a:r>
-          </a:p>
-          <a:p>
-            <a:r>
-              <a:t>➡ Result: 8% increase in total revenue</a:t>
+              <a:rPr dirty="0"/>
+              <a:t>Identified top and least performing stores</a:t>
+            </a:r>
+          </a:p>
+          <a:p>
+            <a:r>
+              <a:rPr dirty="0"/>
+              <a:t>Tracked performance trends (YoY, quarterly)</a:t>
+            </a:r>
+          </a:p>
+          <a:p>
+            <a:r>
+              <a:rPr dirty="0"/>
+              <a:t>Prioritized high-revenue cities (e.g., Ciudad de Mexico)</a:t>
+            </a:r>
+          </a:p>
+          <a:p>
+            <a:r>
+              <a:rPr dirty="0"/>
+              <a:t>Result: 8% increase in total revenue</a:t>
             </a:r>
           </a:p>
         </p:txBody>
